--- a/MySQL实战/13为什么表数据删掉一半，表文件大小不变？.pptx
+++ b/MySQL实战/13为什么表数据删掉一半，表文件大小不变？.pptx
@@ -203,7 +203,7 @@
           <a:p>
             <a:fld id="{A900F2CD-AD8F-46FC-AAAB-A0D218D6826F}" type="datetimeFigureOut">
               <a:rPr lang="zh-CN" altLang="en-US" smtClean="0"/>
-              <a:t>2019/5/15</a:t>
+              <a:t>2020/1/19</a:t>
             </a:fld>
             <a:endParaRPr lang="zh-CN" altLang="en-US"/>
           </a:p>
@@ -657,7 +657,7 @@
           <a:p>
             <a:fld id="{E396512D-F96B-4538-B91A-F7EB57A489A0}" type="datetimeFigureOut">
               <a:rPr lang="zh-CN" altLang="en-US" smtClean="0"/>
-              <a:t>2019/5/15</a:t>
+              <a:t>2020/1/19</a:t>
             </a:fld>
             <a:endParaRPr lang="zh-CN" altLang="en-US"/>
           </a:p>
@@ -932,7 +932,7 @@
           <a:p>
             <a:fld id="{E396512D-F96B-4538-B91A-F7EB57A489A0}" type="datetimeFigureOut">
               <a:rPr lang="zh-CN" altLang="en-US" smtClean="0"/>
-              <a:t>2019/5/15</a:t>
+              <a:t>2020/1/19</a:t>
             </a:fld>
             <a:endParaRPr lang="zh-CN" altLang="en-US"/>
           </a:p>
@@ -1126,7 +1126,7 @@
           <a:p>
             <a:fld id="{E396512D-F96B-4538-B91A-F7EB57A489A0}" type="datetimeFigureOut">
               <a:rPr lang="zh-CN" altLang="en-US" smtClean="0"/>
-              <a:t>2019/5/15</a:t>
+              <a:t>2020/1/19</a:t>
             </a:fld>
             <a:endParaRPr lang="zh-CN" altLang="en-US"/>
           </a:p>
@@ -1399,7 +1399,7 @@
           <a:p>
             <a:fld id="{E396512D-F96B-4538-B91A-F7EB57A489A0}" type="datetimeFigureOut">
               <a:rPr lang="zh-CN" altLang="en-US" smtClean="0"/>
-              <a:t>2019/5/15</a:t>
+              <a:t>2020/1/19</a:t>
             </a:fld>
             <a:endParaRPr lang="zh-CN" altLang="en-US"/>
           </a:p>
@@ -1740,7 +1740,7 @@
           <a:p>
             <a:fld id="{E396512D-F96B-4538-B91A-F7EB57A489A0}" type="datetimeFigureOut">
               <a:rPr lang="zh-CN" altLang="en-US" smtClean="0"/>
-              <a:t>2019/5/15</a:t>
+              <a:t>2020/1/19</a:t>
             </a:fld>
             <a:endParaRPr lang="zh-CN" altLang="en-US"/>
           </a:p>
@@ -2363,7 +2363,7 @@
           <a:p>
             <a:fld id="{E396512D-F96B-4538-B91A-F7EB57A489A0}" type="datetimeFigureOut">
               <a:rPr lang="zh-CN" altLang="en-US" smtClean="0"/>
-              <a:t>2019/5/15</a:t>
+              <a:t>2020/1/19</a:t>
             </a:fld>
             <a:endParaRPr lang="zh-CN" altLang="en-US"/>
           </a:p>
@@ -3223,7 +3223,7 @@
           <a:p>
             <a:fld id="{E396512D-F96B-4538-B91A-F7EB57A489A0}" type="datetimeFigureOut">
               <a:rPr lang="zh-CN" altLang="en-US" smtClean="0"/>
-              <a:t>2019/5/15</a:t>
+              <a:t>2020/1/19</a:t>
             </a:fld>
             <a:endParaRPr lang="zh-CN" altLang="en-US"/>
           </a:p>
@@ -3393,7 +3393,7 @@
           <a:p>
             <a:fld id="{E396512D-F96B-4538-B91A-F7EB57A489A0}" type="datetimeFigureOut">
               <a:rPr lang="zh-CN" altLang="en-US" smtClean="0"/>
-              <a:t>2019/5/15</a:t>
+              <a:t>2020/1/19</a:t>
             </a:fld>
             <a:endParaRPr lang="zh-CN" altLang="en-US"/>
           </a:p>
@@ -3573,7 +3573,7 @@
           <a:p>
             <a:fld id="{E396512D-F96B-4538-B91A-F7EB57A489A0}" type="datetimeFigureOut">
               <a:rPr lang="zh-CN" altLang="en-US" smtClean="0"/>
-              <a:t>2019/5/15</a:t>
+              <a:t>2020/1/19</a:t>
             </a:fld>
             <a:endParaRPr lang="zh-CN" altLang="en-US"/>
           </a:p>
@@ -3743,7 +3743,7 @@
           <a:p>
             <a:fld id="{E396512D-F96B-4538-B91A-F7EB57A489A0}" type="datetimeFigureOut">
               <a:rPr lang="zh-CN" altLang="en-US" smtClean="0"/>
-              <a:t>2019/5/15</a:t>
+              <a:t>2020/1/19</a:t>
             </a:fld>
             <a:endParaRPr lang="zh-CN" altLang="en-US"/>
           </a:p>
@@ -3990,7 +3990,7 @@
           <a:p>
             <a:fld id="{E396512D-F96B-4538-B91A-F7EB57A489A0}" type="datetimeFigureOut">
               <a:rPr lang="zh-CN" altLang="en-US" smtClean="0"/>
-              <a:t>2019/5/15</a:t>
+              <a:t>2020/1/19</a:t>
             </a:fld>
             <a:endParaRPr lang="zh-CN" altLang="en-US"/>
           </a:p>
@@ -4282,7 +4282,7 @@
           <a:p>
             <a:fld id="{E396512D-F96B-4538-B91A-F7EB57A489A0}" type="datetimeFigureOut">
               <a:rPr lang="zh-CN" altLang="en-US" smtClean="0"/>
-              <a:t>2019/5/15</a:t>
+              <a:t>2020/1/19</a:t>
             </a:fld>
             <a:endParaRPr lang="zh-CN" altLang="en-US"/>
           </a:p>
@@ -4726,7 +4726,7 @@
           <a:p>
             <a:fld id="{E396512D-F96B-4538-B91A-F7EB57A489A0}" type="datetimeFigureOut">
               <a:rPr lang="zh-CN" altLang="en-US" smtClean="0"/>
-              <a:t>2019/5/15</a:t>
+              <a:t>2020/1/19</a:t>
             </a:fld>
             <a:endParaRPr lang="zh-CN" altLang="en-US"/>
           </a:p>
@@ -4844,7 +4844,7 @@
           <a:p>
             <a:fld id="{E396512D-F96B-4538-B91A-F7EB57A489A0}" type="datetimeFigureOut">
               <a:rPr lang="zh-CN" altLang="en-US" smtClean="0"/>
-              <a:t>2019/5/15</a:t>
+              <a:t>2020/1/19</a:t>
             </a:fld>
             <a:endParaRPr lang="zh-CN" altLang="en-US"/>
           </a:p>
@@ -4939,7 +4939,7 @@
           <a:p>
             <a:fld id="{E396512D-F96B-4538-B91A-F7EB57A489A0}" type="datetimeFigureOut">
               <a:rPr lang="zh-CN" altLang="en-US" smtClean="0"/>
-              <a:t>2019/5/15</a:t>
+              <a:t>2020/1/19</a:t>
             </a:fld>
             <a:endParaRPr lang="zh-CN" altLang="en-US"/>
           </a:p>
@@ -5218,7 +5218,7 @@
           <a:p>
             <a:fld id="{E396512D-F96B-4538-B91A-F7EB57A489A0}" type="datetimeFigureOut">
               <a:rPr lang="zh-CN" altLang="en-US" smtClean="0"/>
-              <a:t>2019/5/15</a:t>
+              <a:t>2020/1/19</a:t>
             </a:fld>
             <a:endParaRPr lang="zh-CN" altLang="en-US"/>
           </a:p>
@@ -5493,7 +5493,7 @@
           <a:p>
             <a:fld id="{E396512D-F96B-4538-B91A-F7EB57A489A0}" type="datetimeFigureOut">
               <a:rPr lang="zh-CN" altLang="en-US" smtClean="0"/>
-              <a:t>2019/5/15</a:t>
+              <a:t>2020/1/19</a:t>
             </a:fld>
             <a:endParaRPr lang="zh-CN" altLang="en-US"/>
           </a:p>
@@ -5922,7 +5922,7 @@
           <a:p>
             <a:fld id="{E396512D-F96B-4538-B91A-F7EB57A489A0}" type="datetimeFigureOut">
               <a:rPr lang="zh-CN" altLang="en-US" smtClean="0"/>
-              <a:t>2019/5/15</a:t>
+              <a:t>2020/1/19</a:t>
             </a:fld>
             <a:endParaRPr lang="zh-CN" altLang="en-US"/>
           </a:p>
@@ -6484,10 +6484,6 @@
               </a:rPr>
               <a:t>为什么表数据删掉一半，表文件大小不变？</a:t>
             </a:r>
-            <a:endParaRPr lang="zh-CN" altLang="en-US" sz="3200" b="1" dirty="0">
-              <a:latin typeface="微软雅黑" panose="020B0503020204020204" pitchFamily="34" charset="-122"/>
-              <a:ea typeface="微软雅黑" panose="020B0503020204020204" pitchFamily="34" charset="-122"/>
-            </a:endParaRPr>
           </a:p>
         </p:txBody>
       </p:sp>
@@ -6996,10 +6992,6 @@
               </a:rPr>
               <a:t>为什么表数据删掉一半，表文件大小不变？</a:t>
             </a:r>
-            <a:endParaRPr lang="zh-CN" altLang="en-US" sz="3200" b="1" dirty="0">
-              <a:latin typeface="微软雅黑" panose="020B0503020204020204" pitchFamily="34" charset="-122"/>
-              <a:ea typeface="微软雅黑" panose="020B0503020204020204" pitchFamily="34" charset="-122"/>
-            </a:endParaRPr>
           </a:p>
         </p:txBody>
       </p:sp>
@@ -7331,7 +7323,17 @@
                 <a:latin typeface="微软雅黑" panose="020B0503020204020204" pitchFamily="34" charset="-122"/>
                 <a:ea typeface="微软雅黑" panose="020B0503020204020204" pitchFamily="34" charset="-122"/>
               </a:rPr>
-              <a:t>的数据是按页存储在磁盘上，删除数据</a:t>
+              <a:t>的数据是按页存储在磁盘上，删除数据（</a:t>
+            </a:r>
+            <a:r>
+              <a:rPr lang="en-US" altLang="zh-CN" sz="1400" dirty="0" smtClean="0">
+                <a:solidFill>
+                  <a:srgbClr val="FFFF00"/>
+                </a:solidFill>
+                <a:latin typeface="微软雅黑" panose="020B0503020204020204" pitchFamily="34" charset="-122"/>
+                <a:ea typeface="微软雅黑" panose="020B0503020204020204" pitchFamily="34" charset="-122"/>
+              </a:rPr>
+              <a:t>500</a:t>
             </a:r>
             <a:r>
               <a:rPr lang="zh-CN" altLang="en-US" sz="1400" dirty="0" smtClean="0">
@@ -7341,7 +7343,7 @@
                 <a:latin typeface="微软雅黑" panose="020B0503020204020204" pitchFamily="34" charset="-122"/>
                 <a:ea typeface="微软雅黑" panose="020B0503020204020204" pitchFamily="34" charset="-122"/>
               </a:rPr>
-              <a:t>（</a:t>
+              <a:t>，</a:t>
             </a:r>
             <a:r>
               <a:rPr lang="en-US" altLang="zh-CN" sz="1400" dirty="0" smtClean="0">
@@ -7351,7 +7353,7 @@
                 <a:latin typeface="微软雅黑" panose="020B0503020204020204" pitchFamily="34" charset="-122"/>
                 <a:ea typeface="微软雅黑" panose="020B0503020204020204" pitchFamily="34" charset="-122"/>
               </a:rPr>
-              <a:t>500</a:t>
+              <a:t>R4</a:t>
             </a:r>
             <a:r>
               <a:rPr lang="zh-CN" altLang="en-US" sz="1400" dirty="0" smtClean="0">
@@ -7361,37 +7363,7 @@
                 <a:latin typeface="微软雅黑" panose="020B0503020204020204" pitchFamily="34" charset="-122"/>
                 <a:ea typeface="微软雅黑" panose="020B0503020204020204" pitchFamily="34" charset="-122"/>
               </a:rPr>
-              <a:t>，</a:t>
-            </a:r>
-            <a:r>
-              <a:rPr lang="en-US" altLang="zh-CN" sz="1400" dirty="0" smtClean="0">
-                <a:solidFill>
-                  <a:srgbClr val="FFFF00"/>
-                </a:solidFill>
-                <a:latin typeface="微软雅黑" panose="020B0503020204020204" pitchFamily="34" charset="-122"/>
-                <a:ea typeface="微软雅黑" panose="020B0503020204020204" pitchFamily="34" charset="-122"/>
-              </a:rPr>
-              <a:t>R4</a:t>
-            </a:r>
-            <a:r>
-              <a:rPr lang="zh-CN" altLang="en-US" sz="1400" dirty="0" smtClean="0">
-                <a:solidFill>
-                  <a:srgbClr val="FFFF00"/>
-                </a:solidFill>
-                <a:latin typeface="微软雅黑" panose="020B0503020204020204" pitchFamily="34" charset="-122"/>
-                <a:ea typeface="微软雅黑" panose="020B0503020204020204" pitchFamily="34" charset="-122"/>
-              </a:rPr>
-              <a:t>）</a:t>
-            </a:r>
-            <a:r>
-              <a:rPr lang="zh-CN" altLang="en-US" sz="1400" dirty="0" smtClean="0">
-                <a:solidFill>
-                  <a:srgbClr val="FFFF00"/>
-                </a:solidFill>
-                <a:latin typeface="微软雅黑" panose="020B0503020204020204" pitchFamily="34" charset="-122"/>
-                <a:ea typeface="微软雅黑" panose="020B0503020204020204" pitchFamily="34" charset="-122"/>
-              </a:rPr>
-              <a:t>时，</a:t>
+              <a:t>）时，</a:t>
             </a:r>
             <a:r>
               <a:rPr lang="en-US" altLang="zh-CN" sz="1400" dirty="0" err="1" smtClean="0">
@@ -8511,7 +8483,7 @@
           <p:nvPr>
             <p:extLst>
               <p:ext uri="{D42A27DB-BD31-4B8C-83A1-F6EECF244321}">
-                <p14:modId xmlns:p14="http://schemas.microsoft.com/office/powerpoint/2010/main" val="3872942850"/>
+                <p14:modId xmlns:p14="http://schemas.microsoft.com/office/powerpoint/2010/main" val="3845705262"/>
               </p:ext>
             </p:extLst>
           </p:nvPr>
@@ -8575,13 +8547,6 @@
                     <a:bodyPr/>
                     <a:lstStyle/>
                     <a:p>
-                      <a:r>
-                        <a:rPr lang="en-US" altLang="zh-CN" sz="1400" dirty="0" smtClean="0">
-                          <a:latin typeface="微软雅黑" panose="020B0503020204020204" pitchFamily="34" charset="-122"/>
-                          <a:ea typeface="微软雅黑" panose="020B0503020204020204" pitchFamily="34" charset="-122"/>
-                        </a:rPr>
-                        <a:t>500</a:t>
-                      </a:r>
                       <a:endParaRPr lang="zh-CN" altLang="en-US" sz="1400" dirty="0">
                         <a:latin typeface="微软雅黑" panose="020B0503020204020204" pitchFamily="34" charset="-122"/>
                         <a:ea typeface="微软雅黑" panose="020B0503020204020204" pitchFamily="34" charset="-122"/>
@@ -8642,13 +8607,6 @@
                     <a:bodyPr/>
                     <a:lstStyle/>
                     <a:p>
-                      <a:r>
-                        <a:rPr lang="en-US" altLang="zh-CN" sz="1400" dirty="0" smtClean="0">
-                          <a:latin typeface="微软雅黑" panose="020B0503020204020204" pitchFamily="34" charset="-122"/>
-                          <a:ea typeface="微软雅黑" panose="020B0503020204020204" pitchFamily="34" charset="-122"/>
-                        </a:rPr>
-                        <a:t>R4</a:t>
-                      </a:r>
                       <a:endParaRPr lang="zh-CN" altLang="en-US" sz="1400" dirty="0">
                         <a:latin typeface="微软雅黑" panose="020B0503020204020204" pitchFamily="34" charset="-122"/>
                         <a:ea typeface="微软雅黑" panose="020B0503020204020204" pitchFamily="34" charset="-122"/>
@@ -9623,47 +9581,42 @@
       </p:sp>
       <p:sp>
         <p:nvSpPr>
-          <p:cNvPr id="60" name="乘号 59"/>
+          <p:cNvPr id="35" name="矩形 34"/>
           <p:cNvSpPr/>
           <p:nvPr/>
         </p:nvSpPr>
         <p:spPr>
           <a:xfrm>
-            <a:off x="6538483" y="4423301"/>
-            <a:ext cx="471917" cy="647699"/>
+            <a:off x="6307236" y="4719043"/>
+            <a:ext cx="982626" cy="400110"/>
           </a:xfrm>
-          <a:prstGeom prst="mathMultiply">
+          <a:prstGeom prst="rect">
             <a:avLst/>
           </a:prstGeom>
-          <a:solidFill>
-            <a:schemeClr val="accent1">
-              <a:lumMod val="40000"/>
-              <a:lumOff val="60000"/>
-            </a:schemeClr>
-          </a:solidFill>
         </p:spPr>
-        <p:style>
-          <a:lnRef idx="2">
-            <a:schemeClr val="accent1">
-              <a:shade val="50000"/>
-            </a:schemeClr>
-          </a:lnRef>
-          <a:fillRef idx="1">
-            <a:schemeClr val="accent1"/>
-          </a:fillRef>
-          <a:effectRef idx="0">
-            <a:schemeClr val="accent1"/>
-          </a:effectRef>
-          <a:fontRef idx="minor">
-            <a:schemeClr val="lt1"/>
-          </a:fontRef>
-        </p:style>
-        <p:txBody>
-          <a:bodyPr rtlCol="0" anchor="ctr"/>
+        <p:txBody>
+          <a:bodyPr wrap="square">
+            <a:spAutoFit/>
+          </a:bodyPr>
           <a:lstStyle/>
           <a:p>
-            <a:pPr algn="ctr"/>
-            <a:endParaRPr lang="zh-CN" altLang="en-US"/>
+            <a:r>
+              <a:rPr lang="zh-CN" altLang="en-US" sz="2000" dirty="0" smtClean="0">
+                <a:solidFill>
+                  <a:srgbClr val="00B050"/>
+                </a:solidFill>
+                <a:latin typeface="微软雅黑" panose="020B0503020204020204" pitchFamily="34" charset="-122"/>
+                <a:ea typeface="微软雅黑" panose="020B0503020204020204" pitchFamily="34" charset="-122"/>
+              </a:rPr>
+              <a:t>可复用</a:t>
+            </a:r>
+            <a:endParaRPr lang="en-US" altLang="zh-CN" sz="2000" dirty="0" smtClean="0">
+              <a:solidFill>
+                <a:srgbClr val="00B050"/>
+              </a:solidFill>
+              <a:latin typeface="微软雅黑" panose="020B0503020204020204" pitchFamily="34" charset="-122"/>
+              <a:ea typeface="微软雅黑" panose="020B0503020204020204" pitchFamily="34" charset="-122"/>
+            </a:endParaRPr>
           </a:p>
         </p:txBody>
       </p:sp>
@@ -9738,10 +9691,6 @@
               </a:rPr>
               <a:t>为什么表数据删掉一半，表文件大小不变？</a:t>
             </a:r>
-            <a:endParaRPr lang="zh-CN" altLang="en-US" sz="3200" b="1" dirty="0">
-              <a:latin typeface="微软雅黑" panose="020B0503020204020204" pitchFamily="34" charset="-122"/>
-              <a:ea typeface="微软雅黑" panose="020B0503020204020204" pitchFamily="34" charset="-122"/>
-            </a:endParaRPr>
           </a:p>
         </p:txBody>
       </p:sp>
@@ -13323,10 +13272,6 @@
               </a:rPr>
               <a:t>为什么表数据删掉一半，表文件大小不变？</a:t>
             </a:r>
-            <a:endParaRPr lang="zh-CN" altLang="en-US" sz="3200" b="1" dirty="0">
-              <a:latin typeface="微软雅黑" panose="020B0503020204020204" pitchFamily="34" charset="-122"/>
-              <a:ea typeface="微软雅黑" panose="020B0503020204020204" pitchFamily="34" charset="-122"/>
-            </a:endParaRPr>
           </a:p>
         </p:txBody>
       </p:sp>
@@ -14842,18 +14787,7 @@
                 <a:latin typeface="微软雅黑" panose="020B0503020204020204" pitchFamily="34" charset="-122"/>
                 <a:ea typeface="微软雅黑" panose="020B0503020204020204" pitchFamily="34" charset="-122"/>
               </a:rPr>
-              <a:t>造成数据页分裂，进而</a:t>
-            </a:r>
-            <a:r>
-              <a:rPr lang="zh-CN" altLang="en-US" b="1" dirty="0" smtClean="0">
-                <a:ln/>
-                <a:solidFill>
-                  <a:srgbClr val="4FD1FF"/>
-                </a:solidFill>
-                <a:latin typeface="微软雅黑" panose="020B0503020204020204" pitchFamily="34" charset="-122"/>
-                <a:ea typeface="微软雅黑" panose="020B0503020204020204" pitchFamily="34" charset="-122"/>
-              </a:rPr>
-              <a:t>造成数据页利用率下降</a:t>
+              <a:t>造成数据页分裂，进而造成数据页利用率下降</a:t>
             </a:r>
             <a:endParaRPr lang="en-US" altLang="zh-CN" b="1" dirty="0">
               <a:ln/>
@@ -16572,10 +16506,6 @@
               </a:rPr>
               <a:t>为什么表数据删掉一半，表文件大小不变？</a:t>
             </a:r>
-            <a:endParaRPr lang="zh-CN" altLang="en-US" sz="3200" b="1" dirty="0">
-              <a:latin typeface="微软雅黑" panose="020B0503020204020204" pitchFamily="34" charset="-122"/>
-              <a:ea typeface="微软雅黑" panose="020B0503020204020204" pitchFamily="34" charset="-122"/>
-            </a:endParaRPr>
           </a:p>
         </p:txBody>
       </p:sp>
@@ -16687,17 +16617,7 @@
                 <a:latin typeface="微软雅黑" panose="020B0503020204020204" pitchFamily="34" charset="-122"/>
                 <a:ea typeface="微软雅黑" panose="020B0503020204020204" pitchFamily="34" charset="-122"/>
               </a:rPr>
-              <a:t> </a:t>
-            </a:r>
-            <a:r>
-              <a:rPr lang="en-US" altLang="zh-CN" sz="1600" dirty="0" smtClean="0">
-                <a:solidFill>
-                  <a:srgbClr val="92D050"/>
-                </a:solidFill>
-                <a:latin typeface="微软雅黑" panose="020B0503020204020204" pitchFamily="34" charset="-122"/>
-                <a:ea typeface="微软雅黑" panose="020B0503020204020204" pitchFamily="34" charset="-122"/>
-              </a:rPr>
-              <a:t>[</a:t>
+              <a:t> [</a:t>
             </a:r>
             <a:r>
               <a:rPr lang="zh-CN" altLang="en-US" sz="1600" dirty="0" smtClean="0">
@@ -17880,10 +17800,6 @@
               </a:rPr>
               <a:t>为什么表数据删掉一半，表文件大小不变？</a:t>
             </a:r>
-            <a:endParaRPr lang="zh-CN" altLang="en-US" sz="3200" b="1" dirty="0">
-              <a:latin typeface="微软雅黑" panose="020B0503020204020204" pitchFamily="34" charset="-122"/>
-              <a:ea typeface="微软雅黑" panose="020B0503020204020204" pitchFamily="34" charset="-122"/>
-            </a:endParaRPr>
           </a:p>
         </p:txBody>
       </p:sp>
@@ -18501,10 +18417,6 @@
               </a:rPr>
               <a:t>为什么表数据删掉一半，表文件大小不变？</a:t>
             </a:r>
-            <a:endParaRPr lang="zh-CN" altLang="en-US" sz="3200" b="1" dirty="0">
-              <a:latin typeface="微软雅黑" panose="020B0503020204020204" pitchFamily="34" charset="-122"/>
-              <a:ea typeface="微软雅黑" panose="020B0503020204020204" pitchFamily="34" charset="-122"/>
-            </a:endParaRPr>
           </a:p>
         </p:txBody>
       </p:sp>

--- a/MySQL实战/13为什么表数据删掉一半，表文件大小不变？.pptx
+++ b/MySQL实战/13为什么表数据删掉一半，表文件大小不变？.pptx
@@ -203,7 +203,7 @@
           <a:p>
             <a:fld id="{A900F2CD-AD8F-46FC-AAAB-A0D218D6826F}" type="datetimeFigureOut">
               <a:rPr lang="zh-CN" altLang="en-US" smtClean="0"/>
-              <a:t>2020/1/19</a:t>
+              <a:t>2020/3/26</a:t>
             </a:fld>
             <a:endParaRPr lang="zh-CN" altLang="en-US"/>
           </a:p>
@@ -657,7 +657,7 @@
           <a:p>
             <a:fld id="{E396512D-F96B-4538-B91A-F7EB57A489A0}" type="datetimeFigureOut">
               <a:rPr lang="zh-CN" altLang="en-US" smtClean="0"/>
-              <a:t>2020/1/19</a:t>
+              <a:t>2020/3/26</a:t>
             </a:fld>
             <a:endParaRPr lang="zh-CN" altLang="en-US"/>
           </a:p>
@@ -932,7 +932,7 @@
           <a:p>
             <a:fld id="{E396512D-F96B-4538-B91A-F7EB57A489A0}" type="datetimeFigureOut">
               <a:rPr lang="zh-CN" altLang="en-US" smtClean="0"/>
-              <a:t>2020/1/19</a:t>
+              <a:t>2020/3/26</a:t>
             </a:fld>
             <a:endParaRPr lang="zh-CN" altLang="en-US"/>
           </a:p>
@@ -1126,7 +1126,7 @@
           <a:p>
             <a:fld id="{E396512D-F96B-4538-B91A-F7EB57A489A0}" type="datetimeFigureOut">
               <a:rPr lang="zh-CN" altLang="en-US" smtClean="0"/>
-              <a:t>2020/1/19</a:t>
+              <a:t>2020/3/26</a:t>
             </a:fld>
             <a:endParaRPr lang="zh-CN" altLang="en-US"/>
           </a:p>
@@ -1399,7 +1399,7 @@
           <a:p>
             <a:fld id="{E396512D-F96B-4538-B91A-F7EB57A489A0}" type="datetimeFigureOut">
               <a:rPr lang="zh-CN" altLang="en-US" smtClean="0"/>
-              <a:t>2020/1/19</a:t>
+              <a:t>2020/3/26</a:t>
             </a:fld>
             <a:endParaRPr lang="zh-CN" altLang="en-US"/>
           </a:p>
@@ -1740,7 +1740,7 @@
           <a:p>
             <a:fld id="{E396512D-F96B-4538-B91A-F7EB57A489A0}" type="datetimeFigureOut">
               <a:rPr lang="zh-CN" altLang="en-US" smtClean="0"/>
-              <a:t>2020/1/19</a:t>
+              <a:t>2020/3/26</a:t>
             </a:fld>
             <a:endParaRPr lang="zh-CN" altLang="en-US"/>
           </a:p>
@@ -2363,7 +2363,7 @@
           <a:p>
             <a:fld id="{E396512D-F96B-4538-B91A-F7EB57A489A0}" type="datetimeFigureOut">
               <a:rPr lang="zh-CN" altLang="en-US" smtClean="0"/>
-              <a:t>2020/1/19</a:t>
+              <a:t>2020/3/26</a:t>
             </a:fld>
             <a:endParaRPr lang="zh-CN" altLang="en-US"/>
           </a:p>
@@ -3223,7 +3223,7 @@
           <a:p>
             <a:fld id="{E396512D-F96B-4538-B91A-F7EB57A489A0}" type="datetimeFigureOut">
               <a:rPr lang="zh-CN" altLang="en-US" smtClean="0"/>
-              <a:t>2020/1/19</a:t>
+              <a:t>2020/3/26</a:t>
             </a:fld>
             <a:endParaRPr lang="zh-CN" altLang="en-US"/>
           </a:p>
@@ -3393,7 +3393,7 @@
           <a:p>
             <a:fld id="{E396512D-F96B-4538-B91A-F7EB57A489A0}" type="datetimeFigureOut">
               <a:rPr lang="zh-CN" altLang="en-US" smtClean="0"/>
-              <a:t>2020/1/19</a:t>
+              <a:t>2020/3/26</a:t>
             </a:fld>
             <a:endParaRPr lang="zh-CN" altLang="en-US"/>
           </a:p>
@@ -3573,7 +3573,7 @@
           <a:p>
             <a:fld id="{E396512D-F96B-4538-B91A-F7EB57A489A0}" type="datetimeFigureOut">
               <a:rPr lang="zh-CN" altLang="en-US" smtClean="0"/>
-              <a:t>2020/1/19</a:t>
+              <a:t>2020/3/26</a:t>
             </a:fld>
             <a:endParaRPr lang="zh-CN" altLang="en-US"/>
           </a:p>
@@ -3743,7 +3743,7 @@
           <a:p>
             <a:fld id="{E396512D-F96B-4538-B91A-F7EB57A489A0}" type="datetimeFigureOut">
               <a:rPr lang="zh-CN" altLang="en-US" smtClean="0"/>
-              <a:t>2020/1/19</a:t>
+              <a:t>2020/3/26</a:t>
             </a:fld>
             <a:endParaRPr lang="zh-CN" altLang="en-US"/>
           </a:p>
@@ -3990,7 +3990,7 @@
           <a:p>
             <a:fld id="{E396512D-F96B-4538-B91A-F7EB57A489A0}" type="datetimeFigureOut">
               <a:rPr lang="zh-CN" altLang="en-US" smtClean="0"/>
-              <a:t>2020/1/19</a:t>
+              <a:t>2020/3/26</a:t>
             </a:fld>
             <a:endParaRPr lang="zh-CN" altLang="en-US"/>
           </a:p>
@@ -4282,7 +4282,7 @@
           <a:p>
             <a:fld id="{E396512D-F96B-4538-B91A-F7EB57A489A0}" type="datetimeFigureOut">
               <a:rPr lang="zh-CN" altLang="en-US" smtClean="0"/>
-              <a:t>2020/1/19</a:t>
+              <a:t>2020/3/26</a:t>
             </a:fld>
             <a:endParaRPr lang="zh-CN" altLang="en-US"/>
           </a:p>
@@ -4726,7 +4726,7 @@
           <a:p>
             <a:fld id="{E396512D-F96B-4538-B91A-F7EB57A489A0}" type="datetimeFigureOut">
               <a:rPr lang="zh-CN" altLang="en-US" smtClean="0"/>
-              <a:t>2020/1/19</a:t>
+              <a:t>2020/3/26</a:t>
             </a:fld>
             <a:endParaRPr lang="zh-CN" altLang="en-US"/>
           </a:p>
@@ -4844,7 +4844,7 @@
           <a:p>
             <a:fld id="{E396512D-F96B-4538-B91A-F7EB57A489A0}" type="datetimeFigureOut">
               <a:rPr lang="zh-CN" altLang="en-US" smtClean="0"/>
-              <a:t>2020/1/19</a:t>
+              <a:t>2020/3/26</a:t>
             </a:fld>
             <a:endParaRPr lang="zh-CN" altLang="en-US"/>
           </a:p>
@@ -4939,7 +4939,7 @@
           <a:p>
             <a:fld id="{E396512D-F96B-4538-B91A-F7EB57A489A0}" type="datetimeFigureOut">
               <a:rPr lang="zh-CN" altLang="en-US" smtClean="0"/>
-              <a:t>2020/1/19</a:t>
+              <a:t>2020/3/26</a:t>
             </a:fld>
             <a:endParaRPr lang="zh-CN" altLang="en-US"/>
           </a:p>
@@ -5218,7 +5218,7 @@
           <a:p>
             <a:fld id="{E396512D-F96B-4538-B91A-F7EB57A489A0}" type="datetimeFigureOut">
               <a:rPr lang="zh-CN" altLang="en-US" smtClean="0"/>
-              <a:t>2020/1/19</a:t>
+              <a:t>2020/3/26</a:t>
             </a:fld>
             <a:endParaRPr lang="zh-CN" altLang="en-US"/>
           </a:p>
@@ -5493,7 +5493,7 @@
           <a:p>
             <a:fld id="{E396512D-F96B-4538-B91A-F7EB57A489A0}" type="datetimeFigureOut">
               <a:rPr lang="zh-CN" altLang="en-US" smtClean="0"/>
-              <a:t>2020/1/19</a:t>
+              <a:t>2020/3/26</a:t>
             </a:fld>
             <a:endParaRPr lang="zh-CN" altLang="en-US"/>
           </a:p>
@@ -5922,7 +5922,7 @@
           <a:p>
             <a:fld id="{E396512D-F96B-4538-B91A-F7EB57A489A0}" type="datetimeFigureOut">
               <a:rPr lang="zh-CN" altLang="en-US" smtClean="0"/>
-              <a:t>2020/1/19</a:t>
+              <a:t>2020/3/26</a:t>
             </a:fld>
             <a:endParaRPr lang="zh-CN" altLang="en-US"/>
           </a:p>
@@ -17419,7 +17419,31 @@
                 <a:latin typeface="微软雅黑" panose="020B0503020204020204" pitchFamily="34" charset="-122"/>
                 <a:ea typeface="微软雅黑" panose="020B0503020204020204" pitchFamily="34" charset="-122"/>
               </a:rPr>
-              <a:t>里的记录引用到文件</a:t>
+              <a:t>里的</a:t>
+            </a:r>
+            <a:r>
+              <a:rPr lang="zh-CN" altLang="en-US" sz="1200" dirty="0" smtClean="0">
+                <a:solidFill>
+                  <a:schemeClr val="accent3">
+                    <a:lumMod val="75000"/>
+                  </a:schemeClr>
+                </a:solidFill>
+                <a:latin typeface="微软雅黑" panose="020B0503020204020204" pitchFamily="34" charset="-122"/>
+                <a:ea typeface="微软雅黑" panose="020B0503020204020204" pitchFamily="34" charset="-122"/>
+              </a:rPr>
+              <a:t>记录应用</a:t>
+            </a:r>
+            <a:r>
+              <a:rPr lang="zh-CN" altLang="en-US" sz="1200" dirty="0" smtClean="0">
+                <a:solidFill>
+                  <a:schemeClr val="accent3">
+                    <a:lumMod val="75000"/>
+                  </a:schemeClr>
+                </a:solidFill>
+                <a:latin typeface="微软雅黑" panose="020B0503020204020204" pitchFamily="34" charset="-122"/>
+                <a:ea typeface="微软雅黑" panose="020B0503020204020204" pitchFamily="34" charset="-122"/>
+              </a:rPr>
+              <a:t>到文件</a:t>
             </a:r>
             <a:endParaRPr lang="en-US" altLang="zh-CN" sz="1200" dirty="0" smtClean="0">
               <a:solidFill>
